--- a/High School/Photography/Unit 4 - Composition and Principles of Design/Section 1 - Composiiton/Assets/Unit 4 - Section 1 - Composition.pptx
+++ b/High School/Photography/Unit 4 - Composition and Principles of Design/Section 1 - Composiiton/Assets/Unit 4 - Section 1 - Composition.pptx
@@ -5,10 +5,10 @@
     <p:sldMasterId id="2147483669" r:id="rId1"/>
   </p:sldMasterIdLst>
   <p:notesMasterIdLst>
-    <p:notesMasterId r:id="rId10"/>
+    <p:notesMasterId r:id="rId11"/>
   </p:notesMasterIdLst>
   <p:handoutMasterIdLst>
-    <p:handoutMasterId r:id="rId11"/>
+    <p:handoutMasterId r:id="rId12"/>
   </p:handoutMasterIdLst>
   <p:sldIdLst>
     <p:sldId id="268" r:id="rId2"/>
@@ -18,7 +18,8 @@
     <p:sldId id="274" r:id="rId6"/>
     <p:sldId id="275" r:id="rId7"/>
     <p:sldId id="276" r:id="rId8"/>
-    <p:sldId id="277" r:id="rId9"/>
+    <p:sldId id="278" r:id="rId9"/>
+    <p:sldId id="277" r:id="rId10"/>
   </p:sldIdLst>
   <p:sldSz cx="12192000" cy="6858000"/>
   <p:notesSz cx="6858000" cy="9144000"/>
@@ -7901,6 +7902,160 @@
       </p:grpSpPr>
       <p:sp>
         <p:nvSpPr>
+          <p:cNvPr id="2" name="Title 1">
+            <a:extLst>
+              <a:ext uri="{FF2B5EF4-FFF2-40B4-BE49-F238E27FC236}">
+                <a16:creationId xmlns:a16="http://schemas.microsoft.com/office/drawing/2014/main" id="{44F98E19-98DC-4188-AA0E-C935515289EA}"/>
+              </a:ext>
+            </a:extLst>
+          </p:cNvPr>
+          <p:cNvSpPr>
+            <a:spLocks noGrp="1"/>
+          </p:cNvSpPr>
+          <p:nvPr>
+            <p:ph type="title"/>
+          </p:nvPr>
+        </p:nvSpPr>
+        <p:spPr/>
+        <p:txBody>
+          <a:bodyPr>
+            <a:normAutofit fontScale="90000"/>
+          </a:bodyPr>
+          <a:lstStyle/>
+          <a:p>
+            <a:r>
+              <a:rPr lang="en-US" dirty="0"/>
+              <a:t>Elements</a:t>
+            </a:r>
+            <a:br>
+              <a:rPr lang="en-US" dirty="0"/>
+            </a:br>
+            <a:r>
+              <a:rPr lang="en-US" dirty="0"/>
+              <a:t>Shape and Form</a:t>
+            </a:r>
+          </a:p>
+        </p:txBody>
+      </p:sp>
+      <p:sp>
+        <p:nvSpPr>
+          <p:cNvPr id="6" name="Content Placeholder 5">
+            <a:extLst>
+              <a:ext uri="{FF2B5EF4-FFF2-40B4-BE49-F238E27FC236}">
+                <a16:creationId xmlns:a16="http://schemas.microsoft.com/office/drawing/2014/main" id="{8EF0DF56-E8D4-415A-B124-D2E03ACA9CC8}"/>
+              </a:ext>
+            </a:extLst>
+          </p:cNvPr>
+          <p:cNvSpPr>
+            <a:spLocks noGrp="1"/>
+          </p:cNvSpPr>
+          <p:nvPr>
+            <p:ph idx="1"/>
+          </p:nvPr>
+        </p:nvSpPr>
+        <p:spPr/>
+        <p:txBody>
+          <a:bodyPr/>
+          <a:lstStyle/>
+          <a:p>
+            <a:r>
+              <a:rPr lang="en-US" dirty="0"/>
+              <a:t>Shapes can be geometric or organic</a:t>
+            </a:r>
+          </a:p>
+          <a:p>
+            <a:r>
+              <a:rPr lang="en-US" dirty="0"/>
+              <a:t>Circles, ovals, triangles, rectangles</a:t>
+            </a:r>
+          </a:p>
+          <a:p>
+            <a:r>
+              <a:rPr lang="en-US" dirty="0"/>
+              <a:t>Wheels, road signs, windows are common examples</a:t>
+            </a:r>
+          </a:p>
+          <a:p>
+            <a:r>
+              <a:rPr lang="en-US" dirty="0"/>
+              <a:t>Organic examples could be clouds, puddles, footprints</a:t>
+            </a:r>
+          </a:p>
+        </p:txBody>
+      </p:sp>
+      <p:sp>
+        <p:nvSpPr>
+          <p:cNvPr id="5" name="Footer Placeholder 4">
+            <a:extLst>
+              <a:ext uri="{FF2B5EF4-FFF2-40B4-BE49-F238E27FC236}">
+                <a16:creationId xmlns:a16="http://schemas.microsoft.com/office/drawing/2014/main" id="{89CF04B5-4109-4835-908D-122E9ED4ABE9}"/>
+              </a:ext>
+            </a:extLst>
+          </p:cNvPr>
+          <p:cNvSpPr>
+            <a:spLocks noGrp="1"/>
+          </p:cNvSpPr>
+          <p:nvPr>
+            <p:ph type="ftr" sz="quarter" idx="11"/>
+          </p:nvPr>
+        </p:nvSpPr>
+        <p:spPr/>
+        <p:txBody>
+          <a:bodyPr/>
+          <a:lstStyle/>
+          <a:p>
+            <a:r>
+              <a:rPr lang="en-US"/>
+              <a:t>Add a footer</a:t>
+            </a:r>
+            <a:endParaRPr lang="en-US" dirty="0"/>
+          </a:p>
+        </p:txBody>
+      </p:sp>
+    </p:spTree>
+    <p:extLst>
+      <p:ext uri="{BB962C8B-B14F-4D97-AF65-F5344CB8AC3E}">
+        <p14:creationId xmlns:p14="http://schemas.microsoft.com/office/powerpoint/2010/main" val="3449612659"/>
+      </p:ext>
+    </p:extLst>
+  </p:cSld>
+  <p:clrMapOvr>
+    <a:masterClrMapping/>
+  </p:clrMapOvr>
+  <mc:AlternateContent xmlns:mc="http://schemas.openxmlformats.org/markup-compatibility/2006" xmlns:p14="http://schemas.microsoft.com/office/powerpoint/2010/main">
+    <mc:Choice Requires="p14">
+      <p:transition spd="med" p14:dur="700">
+        <p:fade/>
+      </p:transition>
+    </mc:Choice>
+    <mc:Fallback xmlns="">
+      <p:transition spd="med">
+        <p:fade/>
+      </p:transition>
+    </mc:Fallback>
+  </mc:AlternateContent>
+</p:sld>
+</file>
+
+<file path=ppt/slides/slide9.xml><?xml version="1.0" encoding="utf-8"?>
+<p:sld xmlns:a="http://schemas.openxmlformats.org/drawingml/2006/main" xmlns:r="http://schemas.openxmlformats.org/officeDocument/2006/relationships" xmlns:p="http://schemas.openxmlformats.org/presentationml/2006/main">
+  <p:cSld>
+    <p:spTree>
+      <p:nvGrpSpPr>
+        <p:cNvPr id="1" name=""/>
+        <p:cNvGrpSpPr/>
+        <p:nvPr/>
+      </p:nvGrpSpPr>
+      <p:grpSpPr>
+        <a:xfrm>
+          <a:off x="0" y="0"/>
+          <a:ext cx="0" cy="0"/>
+          <a:chOff x="0" y="0"/>
+          <a:chExt cx="0" cy="0"/>
+        </a:xfrm>
+      </p:grpSpPr>
+      <p:sp>
+        <p:nvSpPr>
           <p:cNvPr id="2" name="Footer Placeholder 1">
             <a:extLst>
               <a:ext uri="{FF2B5EF4-FFF2-40B4-BE49-F238E27FC236}">
@@ -7928,6 +8083,53 @@
           </a:p>
         </p:txBody>
       </p:sp>
+      <p:pic>
+        <p:nvPicPr>
+          <p:cNvPr id="1026" name="Picture 2" descr="Image result for photography shape and form">
+            <a:extLst>
+              <a:ext uri="{FF2B5EF4-FFF2-40B4-BE49-F238E27FC236}">
+                <a16:creationId xmlns:a16="http://schemas.microsoft.com/office/drawing/2014/main" id="{1F29982F-4295-44CB-A07F-D70F0C4485FB}"/>
+              </a:ext>
+            </a:extLst>
+          </p:cNvPr>
+          <p:cNvPicPr>
+            <a:picLocks noChangeAspect="1" noChangeArrowheads="1"/>
+          </p:cNvPicPr>
+          <p:nvPr/>
+        </p:nvPicPr>
+        <p:blipFill>
+          <a:blip r:embed="rId2">
+            <a:extLst>
+              <a:ext uri="{28A0092B-C50C-407E-A947-70E740481C1C}">
+                <a14:useLocalDpi xmlns:a14="http://schemas.microsoft.com/office/drawing/2010/main" val="0"/>
+              </a:ext>
+            </a:extLst>
+          </a:blip>
+          <a:srcRect/>
+          <a:stretch>
+            <a:fillRect/>
+          </a:stretch>
+        </p:blipFill>
+        <p:spPr bwMode="auto">
+          <a:xfrm>
+            <a:off x="3352800" y="685800"/>
+            <a:ext cx="5486400" cy="5486400"/>
+          </a:xfrm>
+          <a:prstGeom prst="rect">
+            <a:avLst/>
+          </a:prstGeom>
+          <a:noFill/>
+          <a:extLst>
+            <a:ext uri="{909E8E84-426E-40DD-AFC4-6F175D3DCCD1}">
+              <a14:hiddenFill xmlns:a14="http://schemas.microsoft.com/office/drawing/2010/main">
+                <a:solidFill>
+                  <a:srgbClr val="FFFFFF"/>
+                </a:solidFill>
+              </a14:hiddenFill>
+            </a:ext>
+          </a:extLst>
+        </p:spPr>
+      </p:pic>
     </p:spTree>
     <p:extLst>
       <p:ext uri="{BB962C8B-B14F-4D97-AF65-F5344CB8AC3E}">

--- a/High School/Photography/Unit 4 - Composition and Principles of Design/Section 1 - Composiiton/Assets/Unit 4 - Section 1 - Composition.pptx
+++ b/High School/Photography/Unit 4 - Composition and Principles of Design/Section 1 - Composiiton/Assets/Unit 4 - Section 1 - Composition.pptx
@@ -5,10 +5,10 @@
     <p:sldMasterId id="2147483669" r:id="rId1"/>
   </p:sldMasterIdLst>
   <p:notesMasterIdLst>
-    <p:notesMasterId r:id="rId11"/>
+    <p:notesMasterId r:id="rId12"/>
   </p:notesMasterIdLst>
   <p:handoutMasterIdLst>
-    <p:handoutMasterId r:id="rId12"/>
+    <p:handoutMasterId r:id="rId13"/>
   </p:handoutMasterIdLst>
   <p:sldIdLst>
     <p:sldId id="268" r:id="rId2"/>
@@ -20,6 +20,7 @@
     <p:sldId id="276" r:id="rId8"/>
     <p:sldId id="278" r:id="rId9"/>
     <p:sldId id="277" r:id="rId10"/>
+    <p:sldId id="279" r:id="rId11"/>
   </p:sldIdLst>
   <p:sldSz cx="12192000" cy="6858000"/>
   <p:notesSz cx="6858000" cy="9144000"/>
@@ -6899,6 +6900,140 @@
     <p:extLst>
       <p:ext uri="{BB962C8B-B14F-4D97-AF65-F5344CB8AC3E}">
         <p14:creationId xmlns:p14="http://schemas.microsoft.com/office/powerpoint/2010/main" val="2413251912"/>
+      </p:ext>
+    </p:extLst>
+  </p:cSld>
+  <p:clrMapOvr>
+    <a:masterClrMapping/>
+  </p:clrMapOvr>
+  <mc:AlternateContent xmlns:mc="http://schemas.openxmlformats.org/markup-compatibility/2006" xmlns:p14="http://schemas.microsoft.com/office/powerpoint/2010/main">
+    <mc:Choice Requires="p14">
+      <p:transition spd="med" p14:dur="700">
+        <p:fade/>
+      </p:transition>
+    </mc:Choice>
+    <mc:Fallback xmlns="">
+      <p:transition spd="med">
+        <p:fade/>
+      </p:transition>
+    </mc:Fallback>
+  </mc:AlternateContent>
+</p:sld>
+</file>
+
+<file path=ppt/slides/slide10.xml><?xml version="1.0" encoding="utf-8"?>
+<p:sld xmlns:a="http://schemas.openxmlformats.org/drawingml/2006/main" xmlns:r="http://schemas.openxmlformats.org/officeDocument/2006/relationships" xmlns:p="http://schemas.openxmlformats.org/presentationml/2006/main">
+  <p:cSld>
+    <p:spTree>
+      <p:nvGrpSpPr>
+        <p:cNvPr id="1" name=""/>
+        <p:cNvGrpSpPr/>
+        <p:nvPr/>
+      </p:nvGrpSpPr>
+      <p:grpSpPr>
+        <a:xfrm>
+          <a:off x="0" y="0"/>
+          <a:ext cx="0" cy="0"/>
+          <a:chOff x="0" y="0"/>
+          <a:chExt cx="0" cy="0"/>
+        </a:xfrm>
+      </p:grpSpPr>
+      <p:sp>
+        <p:nvSpPr>
+          <p:cNvPr id="3" name="Title 2">
+            <a:extLst>
+              <a:ext uri="{FF2B5EF4-FFF2-40B4-BE49-F238E27FC236}">
+                <a16:creationId xmlns:a16="http://schemas.microsoft.com/office/drawing/2014/main" id="{C9617EBE-5B1E-499E-B18A-37B561DF517D}"/>
+              </a:ext>
+            </a:extLst>
+          </p:cNvPr>
+          <p:cNvSpPr>
+            <a:spLocks noGrp="1"/>
+          </p:cNvSpPr>
+          <p:nvPr>
+            <p:ph type="title"/>
+          </p:nvPr>
+        </p:nvSpPr>
+        <p:spPr/>
+        <p:txBody>
+          <a:bodyPr>
+            <a:noAutofit/>
+          </a:bodyPr>
+          <a:lstStyle/>
+          <a:p>
+            <a:r>
+              <a:rPr lang="en-US" sz="3200" dirty="0"/>
+              <a:t>Elements of Art (Video)</a:t>
+            </a:r>
+          </a:p>
+        </p:txBody>
+      </p:sp>
+      <p:sp>
+        <p:nvSpPr>
+          <p:cNvPr id="2" name="Footer Placeholder 1">
+            <a:extLst>
+              <a:ext uri="{FF2B5EF4-FFF2-40B4-BE49-F238E27FC236}">
+                <a16:creationId xmlns:a16="http://schemas.microsoft.com/office/drawing/2014/main" id="{F201C08F-BE14-41E0-8F0D-498A9CC55ADB}"/>
+              </a:ext>
+            </a:extLst>
+          </p:cNvPr>
+          <p:cNvSpPr>
+            <a:spLocks noGrp="1"/>
+          </p:cNvSpPr>
+          <p:nvPr>
+            <p:ph type="ftr" sz="quarter" idx="11"/>
+          </p:nvPr>
+        </p:nvSpPr>
+        <p:spPr/>
+        <p:txBody>
+          <a:bodyPr/>
+          <a:lstStyle/>
+          <a:p>
+            <a:r>
+              <a:rPr lang="en-US"/>
+              <a:t>Add a footer</a:t>
+            </a:r>
+            <a:endParaRPr lang="en-US" dirty="0"/>
+          </a:p>
+        </p:txBody>
+      </p:sp>
+      <p:pic>
+        <p:nvPicPr>
+          <p:cNvPr id="5" name="Online Media 4" title="Photography - Elements of Design - Lesson 1 (Line &amp; Filling the Frame)">
+            <a:hlinkClick r:id="" action="ppaction://media"/>
+            <a:extLst>
+              <a:ext uri="{FF2B5EF4-FFF2-40B4-BE49-F238E27FC236}">
+                <a16:creationId xmlns:a16="http://schemas.microsoft.com/office/drawing/2014/main" id="{CF31868C-5400-4A6D-A6F6-7CEB9E54C2D6}"/>
+              </a:ext>
+            </a:extLst>
+          </p:cNvPr>
+          <p:cNvPicPr>
+            <a:picLocks noRot="1" noChangeAspect="1"/>
+          </p:cNvPicPr>
+          <p:nvPr>
+            <a:videoFile r:link="rId1"/>
+          </p:nvPr>
+        </p:nvPicPr>
+        <p:blipFill>
+          <a:blip r:embed="rId3"/>
+          <a:stretch>
+            <a:fillRect/>
+          </a:stretch>
+        </p:blipFill>
+        <p:spPr>
+          <a:xfrm>
+            <a:off x="2700439" y="2485409"/>
+            <a:ext cx="6791119" cy="3820004"/>
+          </a:xfrm>
+          <a:prstGeom prst="rect">
+            <a:avLst/>
+          </a:prstGeom>
+        </p:spPr>
+      </p:pic>
+    </p:spTree>
+    <p:extLst>
+      <p:ext uri="{BB962C8B-B14F-4D97-AF65-F5344CB8AC3E}">
+        <p14:creationId xmlns:p14="http://schemas.microsoft.com/office/powerpoint/2010/main" val="4236096011"/>
       </p:ext>
     </p:extLst>
   </p:cSld>

--- a/High School/Photography/Unit 4 - Composition and Principles of Design/Section 1 - Composiiton/Assets/Unit 4 - Section 1 - Composition.pptx
+++ b/High School/Photography/Unit 4 - Composition and Principles of Design/Section 1 - Composiiton/Assets/Unit 4 - Section 1 - Composition.pptx
@@ -5,10 +5,10 @@
     <p:sldMasterId id="2147483669" r:id="rId1"/>
   </p:sldMasterIdLst>
   <p:notesMasterIdLst>
-    <p:notesMasterId r:id="rId12"/>
+    <p:notesMasterId r:id="rId16"/>
   </p:notesMasterIdLst>
   <p:handoutMasterIdLst>
-    <p:handoutMasterId r:id="rId13"/>
+    <p:handoutMasterId r:id="rId17"/>
   </p:handoutMasterIdLst>
   <p:sldIdLst>
     <p:sldId id="268" r:id="rId2"/>
@@ -21,6 +21,10 @@
     <p:sldId id="278" r:id="rId9"/>
     <p:sldId id="277" r:id="rId10"/>
     <p:sldId id="279" r:id="rId11"/>
+    <p:sldId id="280" r:id="rId12"/>
+    <p:sldId id="283" r:id="rId13"/>
+    <p:sldId id="282" r:id="rId14"/>
+    <p:sldId id="284" r:id="rId15"/>
   </p:sldIdLst>
   <p:sldSz cx="12192000" cy="6858000"/>
   <p:notesSz cx="6858000" cy="9144000"/>
@@ -223,7 +227,7 @@
           <a:p>
             <a:fld id="{6AC4FB8F-ED15-48AB-97BD-17129D4E699D}" type="datetimeFigureOut">
               <a:rPr lang="en-US" smtClean="0"/>
-              <a:t>10/16/2018</a:t>
+              <a:t>10/17/2018</a:t>
             </a:fld>
             <a:endParaRPr lang="en-US" dirty="0"/>
           </a:p>
@@ -388,7 +392,7 @@
           <a:p>
             <a:fld id="{BBC9D437-CD83-4825-AD0D-5E7B341BC79B}" type="datetimeFigureOut">
               <a:rPr lang="en-US" smtClean="0"/>
-              <a:t>10/16/2018</a:t>
+              <a:t>10/17/2018</a:t>
             </a:fld>
             <a:endParaRPr lang="en-US" dirty="0"/>
           </a:p>
@@ -986,7 +990,7 @@
           <a:p>
             <a:fld id="{85AB7CBB-843F-464A-A764-71D6ADC27CFA}" type="datetime1">
               <a:rPr lang="en-US" smtClean="0"/>
-              <a:t>10/16/2018</a:t>
+              <a:t>10/17/2018</a:t>
             </a:fld>
             <a:endParaRPr lang="en-US" dirty="0"/>
           </a:p>
@@ -1327,7 +1331,7 @@
           <a:p>
             <a:fld id="{3F138946-C5C1-4A11-BA69-F12F43F8A94B}" type="datetime1">
               <a:rPr lang="en-US" smtClean="0"/>
-              <a:t>10/16/2018</a:t>
+              <a:t>10/17/2018</a:t>
             </a:fld>
             <a:endParaRPr lang="en-US" dirty="0"/>
           </a:p>
@@ -1581,7 +1585,7 @@
           <a:p>
             <a:fld id="{3F138946-C5C1-4A11-BA69-F12F43F8A94B}" type="datetime1">
               <a:rPr lang="en-US" smtClean="0"/>
-              <a:t>10/16/2018</a:t>
+              <a:t>10/17/2018</a:t>
             </a:fld>
             <a:endParaRPr lang="en-US" dirty="0"/>
           </a:p>
@@ -1926,7 +1930,7 @@
           <a:p>
             <a:fld id="{3F138946-C5C1-4A11-BA69-F12F43F8A94B}" type="datetime1">
               <a:rPr lang="en-US" smtClean="0"/>
-              <a:t>10/16/2018</a:t>
+              <a:t>10/17/2018</a:t>
             </a:fld>
             <a:endParaRPr lang="en-US" dirty="0"/>
           </a:p>
@@ -2279,7 +2283,7 @@
           <a:p>
             <a:fld id="{3F138946-C5C1-4A11-BA69-F12F43F8A94B}" type="datetime1">
               <a:rPr lang="en-US" smtClean="0"/>
-              <a:t>10/16/2018</a:t>
+              <a:t>10/17/2018</a:t>
             </a:fld>
             <a:endParaRPr lang="en-US" dirty="0"/>
           </a:p>
@@ -2659,7 +2663,7 @@
           <a:p>
             <a:fld id="{3F138946-C5C1-4A11-BA69-F12F43F8A94B}" type="datetime1">
               <a:rPr lang="en-US" smtClean="0"/>
-              <a:t>10/16/2018</a:t>
+              <a:t>10/17/2018</a:t>
             </a:fld>
             <a:endParaRPr lang="en-US" dirty="0"/>
           </a:p>
@@ -3135,7 +3139,7 @@
           <a:p>
             <a:fld id="{3F138946-C5C1-4A11-BA69-F12F43F8A94B}" type="datetime1">
               <a:rPr lang="en-US" smtClean="0"/>
-              <a:t>10/16/2018</a:t>
+              <a:t>10/17/2018</a:t>
             </a:fld>
             <a:endParaRPr lang="en-US" dirty="0"/>
           </a:p>
@@ -3346,7 +3350,7 @@
           <a:p>
             <a:fld id="{CBEFC03D-3A1F-4813-9337-02411FCC3A9A}" type="datetime1">
               <a:rPr lang="en-US" smtClean="0"/>
-              <a:t>10/16/2018</a:t>
+              <a:t>10/17/2018</a:t>
             </a:fld>
             <a:endParaRPr lang="en-US" dirty="0"/>
           </a:p>
@@ -3573,7 +3577,7 @@
           <a:p>
             <a:fld id="{3D638F79-DFA0-4C26-9553-23A017B69AB6}" type="datetime1">
               <a:rPr lang="en-US" smtClean="0"/>
-              <a:t>10/16/2018</a:t>
+              <a:t>10/17/2018</a:t>
             </a:fld>
             <a:endParaRPr lang="en-US" dirty="0"/>
           </a:p>
@@ -3715,7 +3719,7 @@
           <a:p>
             <a:fld id="{AA615CA6-EC4D-4728-8AA6-534BE7E9B67C}" type="datetime1">
               <a:rPr lang="en-US" smtClean="0"/>
-              <a:t>10/16/2018</a:t>
+              <a:t>10/17/2018</a:t>
             </a:fld>
             <a:endParaRPr lang="en-US" dirty="0"/>
           </a:p>
@@ -3931,7 +3935,7 @@
           <a:p>
             <a:fld id="{A70B34E7-E1D9-4FBF-A1A0-4009669A00BF}" type="datetime1">
               <a:rPr lang="en-US" smtClean="0"/>
-              <a:t>10/16/2018</a:t>
+              <a:t>10/17/2018</a:t>
             </a:fld>
             <a:endParaRPr lang="en-US" dirty="0"/>
           </a:p>
@@ -4197,7 +4201,7 @@
             <a:fld id="{B61BEF0D-F0BB-DE4B-95CE-6DB70DBA9567}" type="datetimeFigureOut">
               <a:rPr lang="en-US" dirty="0"/>
               <a:pPr/>
-              <a:t>10/16/2018</a:t>
+              <a:t>10/17/2018</a:t>
             </a:fld>
             <a:endParaRPr lang="en-US" dirty="0"/>
           </a:p>
@@ -4508,7 +4512,7 @@
           <a:p>
             <a:fld id="{7579E8B6-2F47-420B-83EA-EB2285D13EC9}" type="datetime1">
               <a:rPr lang="en-US" smtClean="0"/>
-              <a:t>10/16/2018</a:t>
+              <a:t>10/17/2018</a:t>
             </a:fld>
             <a:endParaRPr lang="en-US" dirty="0"/>
           </a:p>
@@ -4918,7 +4922,7 @@
           <a:p>
             <a:fld id="{2304803D-B10E-4B90-8456-A0E05393E233}" type="datetime1">
               <a:rPr lang="en-US" smtClean="0"/>
-              <a:t>10/16/2018</a:t>
+              <a:t>10/17/2018</a:t>
             </a:fld>
             <a:endParaRPr lang="en-US" dirty="0"/>
           </a:p>
@@ -5083,7 +5087,7 @@
           <a:p>
             <a:fld id="{CCE1E62F-6CCE-4064-96C2-2084AF883904}" type="datetime1">
               <a:rPr lang="en-US" smtClean="0"/>
-              <a:t>10/16/2018</a:t>
+              <a:t>10/17/2018</a:t>
             </a:fld>
             <a:endParaRPr lang="en-US" dirty="0"/>
           </a:p>
@@ -5225,7 +5229,7 @@
           <a:p>
             <a:fld id="{AA615CA6-EC4D-4728-8AA6-534BE7E9B67C}" type="datetime1">
               <a:rPr lang="en-US" smtClean="0"/>
-              <a:t>10/16/2018</a:t>
+              <a:t>10/17/2018</a:t>
             </a:fld>
             <a:endParaRPr lang="en-US" dirty="0"/>
           </a:p>
@@ -5496,7 +5500,7 @@
           <a:p>
             <a:fld id="{A6139942-0A2E-443A-842F-D6DE74360370}" type="datetime1">
               <a:rPr lang="en-US" smtClean="0"/>
-              <a:t>10/16/2018</a:t>
+              <a:t>10/17/2018</a:t>
             </a:fld>
             <a:endParaRPr lang="en-US" dirty="0"/>
           </a:p>
@@ -5828,7 +5832,7 @@
             <a:fld id="{B61BEF0D-F0BB-DE4B-95CE-6DB70DBA9567}" type="datetimeFigureOut">
               <a:rPr lang="en-US" dirty="0"/>
               <a:pPr/>
-              <a:t>10/16/2018</a:t>
+              <a:t>10/17/2018</a:t>
             </a:fld>
             <a:endParaRPr lang="en-US" dirty="0"/>
           </a:p>
@@ -6244,7 +6248,7 @@
           <a:p>
             <a:fld id="{3F138946-C5C1-4A11-BA69-F12F43F8A94B}" type="datetime1">
               <a:rPr lang="en-US" smtClean="0"/>
-              <a:t>10/16/2018</a:t>
+              <a:t>10/17/2018</a:t>
             </a:fld>
             <a:endParaRPr lang="en-US" dirty="0"/>
           </a:p>
@@ -7034,6 +7038,697 @@
     <p:extLst>
       <p:ext uri="{BB962C8B-B14F-4D97-AF65-F5344CB8AC3E}">
         <p14:creationId xmlns:p14="http://schemas.microsoft.com/office/powerpoint/2010/main" val="4236096011"/>
+      </p:ext>
+    </p:extLst>
+  </p:cSld>
+  <p:clrMapOvr>
+    <a:masterClrMapping/>
+  </p:clrMapOvr>
+  <mc:AlternateContent xmlns:mc="http://schemas.openxmlformats.org/markup-compatibility/2006" xmlns:p14="http://schemas.microsoft.com/office/powerpoint/2010/main">
+    <mc:Choice Requires="p14">
+      <p:transition spd="med" p14:dur="700">
+        <p:fade/>
+      </p:transition>
+    </mc:Choice>
+    <mc:Fallback xmlns="">
+      <p:transition spd="med">
+        <p:fade/>
+      </p:transition>
+    </mc:Fallback>
+  </mc:AlternateContent>
+</p:sld>
+</file>
+
+<file path=ppt/slides/slide11.xml><?xml version="1.0" encoding="utf-8"?>
+<p:sld xmlns:a="http://schemas.openxmlformats.org/drawingml/2006/main" xmlns:r="http://schemas.openxmlformats.org/officeDocument/2006/relationships" xmlns:p="http://schemas.openxmlformats.org/presentationml/2006/main">
+  <p:cSld>
+    <p:spTree>
+      <p:nvGrpSpPr>
+        <p:cNvPr id="1" name=""/>
+        <p:cNvGrpSpPr/>
+        <p:nvPr/>
+      </p:nvGrpSpPr>
+      <p:grpSpPr>
+        <a:xfrm>
+          <a:off x="0" y="0"/>
+          <a:ext cx="0" cy="0"/>
+          <a:chOff x="0" y="0"/>
+          <a:chExt cx="0" cy="0"/>
+        </a:xfrm>
+      </p:grpSpPr>
+      <p:sp>
+        <p:nvSpPr>
+          <p:cNvPr id="2" name="Title 1">
+            <a:extLst>
+              <a:ext uri="{FF2B5EF4-FFF2-40B4-BE49-F238E27FC236}">
+                <a16:creationId xmlns:a16="http://schemas.microsoft.com/office/drawing/2014/main" id="{DD32223D-E5A4-49A9-8875-00F14C062030}"/>
+              </a:ext>
+            </a:extLst>
+          </p:cNvPr>
+          <p:cNvSpPr>
+            <a:spLocks noGrp="1"/>
+          </p:cNvSpPr>
+          <p:nvPr>
+            <p:ph type="title"/>
+          </p:nvPr>
+        </p:nvSpPr>
+        <p:spPr/>
+        <p:txBody>
+          <a:bodyPr/>
+          <a:lstStyle/>
+          <a:p>
+            <a:r>
+              <a:rPr lang="en-US" dirty="0"/>
+              <a:t>LP 3</a:t>
+            </a:r>
+          </a:p>
+        </p:txBody>
+      </p:sp>
+      <p:sp>
+        <p:nvSpPr>
+          <p:cNvPr id="3" name="Content Placeholder 2">
+            <a:extLst>
+              <a:ext uri="{FF2B5EF4-FFF2-40B4-BE49-F238E27FC236}">
+                <a16:creationId xmlns:a16="http://schemas.microsoft.com/office/drawing/2014/main" id="{2772F960-EF2A-48DD-B13E-A044EEDD61C3}"/>
+              </a:ext>
+            </a:extLst>
+          </p:cNvPr>
+          <p:cNvSpPr>
+            <a:spLocks noGrp="1"/>
+          </p:cNvSpPr>
+          <p:nvPr>
+            <p:ph idx="1"/>
+          </p:nvPr>
+        </p:nvSpPr>
+        <p:spPr/>
+        <p:txBody>
+          <a:bodyPr/>
+          <a:lstStyle/>
+          <a:p>
+            <a:endParaRPr lang="en-US"/>
+          </a:p>
+        </p:txBody>
+      </p:sp>
+      <p:sp>
+        <p:nvSpPr>
+          <p:cNvPr id="4" name="Footer Placeholder 3">
+            <a:extLst>
+              <a:ext uri="{FF2B5EF4-FFF2-40B4-BE49-F238E27FC236}">
+                <a16:creationId xmlns:a16="http://schemas.microsoft.com/office/drawing/2014/main" id="{E8AE60E3-E68D-462B-AFE3-9463F4A2DEE1}"/>
+              </a:ext>
+            </a:extLst>
+          </p:cNvPr>
+          <p:cNvSpPr>
+            <a:spLocks noGrp="1"/>
+          </p:cNvSpPr>
+          <p:nvPr>
+            <p:ph type="ftr" sz="quarter" idx="11"/>
+          </p:nvPr>
+        </p:nvSpPr>
+        <p:spPr/>
+        <p:txBody>
+          <a:bodyPr/>
+          <a:lstStyle/>
+          <a:p>
+            <a:r>
+              <a:rPr lang="en-US"/>
+              <a:t>Add a footer</a:t>
+            </a:r>
+            <a:endParaRPr lang="en-US" dirty="0"/>
+          </a:p>
+        </p:txBody>
+      </p:sp>
+    </p:spTree>
+    <p:extLst>
+      <p:ext uri="{BB962C8B-B14F-4D97-AF65-F5344CB8AC3E}">
+        <p14:creationId xmlns:p14="http://schemas.microsoft.com/office/powerpoint/2010/main" val="4283202666"/>
+      </p:ext>
+    </p:extLst>
+  </p:cSld>
+  <p:clrMapOvr>
+    <a:masterClrMapping/>
+  </p:clrMapOvr>
+  <mc:AlternateContent xmlns:mc="http://schemas.openxmlformats.org/markup-compatibility/2006" xmlns:p14="http://schemas.microsoft.com/office/powerpoint/2010/main">
+    <mc:Choice Requires="p14">
+      <p:transition spd="med" p14:dur="700">
+        <p:fade/>
+      </p:transition>
+    </mc:Choice>
+    <mc:Fallback xmlns="">
+      <p:transition spd="med">
+        <p:fade/>
+      </p:transition>
+    </mc:Fallback>
+  </mc:AlternateContent>
+</p:sld>
+</file>
+
+<file path=ppt/slides/slide12.xml><?xml version="1.0" encoding="utf-8"?>
+<p:sld xmlns:a="http://schemas.openxmlformats.org/drawingml/2006/main" xmlns:r="http://schemas.openxmlformats.org/officeDocument/2006/relationships" xmlns:p="http://schemas.openxmlformats.org/presentationml/2006/main">
+  <p:cSld>
+    <p:spTree>
+      <p:nvGrpSpPr>
+        <p:cNvPr id="1" name=""/>
+        <p:cNvGrpSpPr/>
+        <p:nvPr/>
+      </p:nvGrpSpPr>
+      <p:grpSpPr>
+        <a:xfrm>
+          <a:off x="0" y="0"/>
+          <a:ext cx="0" cy="0"/>
+          <a:chOff x="0" y="0"/>
+          <a:chExt cx="0" cy="0"/>
+        </a:xfrm>
+      </p:grpSpPr>
+      <p:sp>
+        <p:nvSpPr>
+          <p:cNvPr id="2" name="Title 1"/>
+          <p:cNvSpPr>
+            <a:spLocks noGrp="1"/>
+          </p:cNvSpPr>
+          <p:nvPr>
+            <p:ph type="title"/>
+          </p:nvPr>
+        </p:nvSpPr>
+        <p:spPr/>
+        <p:txBody>
+          <a:bodyPr/>
+          <a:lstStyle/>
+          <a:p>
+            <a:r>
+              <a:rPr lang="en-US" dirty="0"/>
+              <a:t>The big idea</a:t>
+            </a:r>
+          </a:p>
+        </p:txBody>
+      </p:sp>
+      <p:sp>
+        <p:nvSpPr>
+          <p:cNvPr id="3" name="Content Placeholder 2"/>
+          <p:cNvSpPr>
+            <a:spLocks noGrp="1"/>
+          </p:cNvSpPr>
+          <p:nvPr>
+            <p:ph idx="1"/>
+          </p:nvPr>
+        </p:nvSpPr>
+        <p:spPr/>
+        <p:txBody>
+          <a:bodyPr/>
+          <a:lstStyle/>
+          <a:p>
+            <a:r>
+              <a:rPr lang="en-US" dirty="0">
+                <a:cs typeface="Arial" pitchFamily="34" charset="0"/>
+              </a:rPr>
+              <a:t>Learn about the elements of art</a:t>
+            </a:r>
+          </a:p>
+          <a:p>
+            <a:r>
+              <a:rPr lang="en-US" dirty="0">
+                <a:cs typeface="Arial" pitchFamily="34" charset="0"/>
+              </a:rPr>
+              <a:t>Learn about the principles of design</a:t>
+            </a:r>
+          </a:p>
+          <a:p>
+            <a:r>
+              <a:rPr lang="en-US" dirty="0">
+                <a:cs typeface="Arial" pitchFamily="34" charset="0"/>
+              </a:rPr>
+              <a:t>How to use the elements and principles to make photographs</a:t>
+            </a:r>
+          </a:p>
+        </p:txBody>
+      </p:sp>
+      <p:sp>
+        <p:nvSpPr>
+          <p:cNvPr id="4" name="Footer Placeholder 3">
+            <a:extLst>
+              <a:ext uri="{FF2B5EF4-FFF2-40B4-BE49-F238E27FC236}">
+                <a16:creationId xmlns:a16="http://schemas.microsoft.com/office/drawing/2014/main" id="{EADFB87E-2A3F-4815-8F5E-3CF3521EBF24}"/>
+              </a:ext>
+            </a:extLst>
+          </p:cNvPr>
+          <p:cNvSpPr>
+            <a:spLocks noGrp="1"/>
+          </p:cNvSpPr>
+          <p:nvPr>
+            <p:ph type="ftr" sz="quarter" idx="11"/>
+          </p:nvPr>
+        </p:nvSpPr>
+        <p:spPr/>
+        <p:txBody>
+          <a:bodyPr/>
+          <a:lstStyle/>
+          <a:p>
+            <a:r>
+              <a:rPr lang="en-US" dirty="0"/>
+              <a:t>Unit 1 – Section 1 - Day 1</a:t>
+            </a:r>
+          </a:p>
+        </p:txBody>
+      </p:sp>
+    </p:spTree>
+    <p:extLst>
+      <p:ext uri="{BB962C8B-B14F-4D97-AF65-F5344CB8AC3E}">
+        <p14:creationId xmlns:p14="http://schemas.microsoft.com/office/powerpoint/2010/main" val="3819233559"/>
+      </p:ext>
+    </p:extLst>
+  </p:cSld>
+  <p:clrMapOvr>
+    <a:masterClrMapping/>
+  </p:clrMapOvr>
+  <mc:AlternateContent xmlns:mc="http://schemas.openxmlformats.org/markup-compatibility/2006" xmlns:p14="http://schemas.microsoft.com/office/powerpoint/2010/main">
+    <mc:Choice Requires="p14">
+      <p:transition spd="med" p14:dur="700">
+        <p:fade/>
+      </p:transition>
+    </mc:Choice>
+    <mc:Fallback xmlns="">
+      <p:transition spd="med">
+        <p:fade/>
+      </p:transition>
+    </mc:Fallback>
+  </mc:AlternateContent>
+</p:sld>
+</file>
+
+<file path=ppt/slides/slide13.xml><?xml version="1.0" encoding="utf-8"?>
+<p:sld xmlns:a="http://schemas.openxmlformats.org/drawingml/2006/main" xmlns:r="http://schemas.openxmlformats.org/officeDocument/2006/relationships" xmlns:p="http://schemas.openxmlformats.org/presentationml/2006/main">
+  <p:cSld>
+    <p:spTree>
+      <p:nvGrpSpPr>
+        <p:cNvPr id="1" name=""/>
+        <p:cNvGrpSpPr/>
+        <p:nvPr/>
+      </p:nvGrpSpPr>
+      <p:grpSpPr>
+        <a:xfrm>
+          <a:off x="0" y="0"/>
+          <a:ext cx="0" cy="0"/>
+          <a:chOff x="0" y="0"/>
+          <a:chExt cx="0" cy="0"/>
+        </a:xfrm>
+      </p:grpSpPr>
+      <p:sp>
+        <p:nvSpPr>
+          <p:cNvPr id="8" name="Title 7">
+            <a:extLst>
+              <a:ext uri="{FF2B5EF4-FFF2-40B4-BE49-F238E27FC236}">
+                <a16:creationId xmlns:a16="http://schemas.microsoft.com/office/drawing/2014/main" id="{BEC3FCFA-AD85-457E-9F1C-C0A01F9DEE1B}"/>
+              </a:ext>
+            </a:extLst>
+          </p:cNvPr>
+          <p:cNvSpPr>
+            <a:spLocks noGrp="1"/>
+          </p:cNvSpPr>
+          <p:nvPr>
+            <p:ph type="title"/>
+          </p:nvPr>
+        </p:nvSpPr>
+        <p:spPr/>
+        <p:txBody>
+          <a:bodyPr/>
+          <a:lstStyle/>
+          <a:p>
+            <a:r>
+              <a:rPr lang="en-US" dirty="0"/>
+              <a:t>Elements and Principles</a:t>
+            </a:r>
+          </a:p>
+        </p:txBody>
+      </p:sp>
+      <p:sp>
+        <p:nvSpPr>
+          <p:cNvPr id="9" name="Content Placeholder 8">
+            <a:extLst>
+              <a:ext uri="{FF2B5EF4-FFF2-40B4-BE49-F238E27FC236}">
+                <a16:creationId xmlns:a16="http://schemas.microsoft.com/office/drawing/2014/main" id="{458E9CEA-1179-4B8D-8180-C6E3F07AEFE4}"/>
+              </a:ext>
+            </a:extLst>
+          </p:cNvPr>
+          <p:cNvSpPr>
+            <a:spLocks noGrp="1"/>
+          </p:cNvSpPr>
+          <p:nvPr>
+            <p:ph sz="half" idx="1"/>
+          </p:nvPr>
+        </p:nvSpPr>
+        <p:spPr/>
+        <p:txBody>
+          <a:bodyPr>
+            <a:normAutofit fontScale="92500" lnSpcReduction="20000"/>
+          </a:bodyPr>
+          <a:lstStyle/>
+          <a:p>
+            <a:r>
+              <a:rPr lang="en-US" dirty="0"/>
+              <a:t>Elements</a:t>
+            </a:r>
+          </a:p>
+          <a:p>
+            <a:pPr lvl="1"/>
+            <a:r>
+              <a:rPr lang="en-US" dirty="0"/>
+              <a:t>Line</a:t>
+            </a:r>
+          </a:p>
+          <a:p>
+            <a:pPr lvl="1"/>
+            <a:r>
+              <a:rPr lang="en-US" dirty="0"/>
+              <a:t>Shape and Form</a:t>
+            </a:r>
+          </a:p>
+          <a:p>
+            <a:pPr lvl="1"/>
+            <a:r>
+              <a:rPr lang="en-US" dirty="0"/>
+              <a:t>Color</a:t>
+            </a:r>
+          </a:p>
+          <a:p>
+            <a:pPr lvl="2"/>
+            <a:r>
+              <a:rPr lang="en-US" dirty="0"/>
+              <a:t>Primary</a:t>
+            </a:r>
+          </a:p>
+          <a:p>
+            <a:pPr lvl="2"/>
+            <a:r>
+              <a:rPr lang="en-US" dirty="0"/>
+              <a:t>Secondary</a:t>
+            </a:r>
+          </a:p>
+          <a:p>
+            <a:pPr lvl="1"/>
+            <a:r>
+              <a:rPr lang="en-US" dirty="0"/>
+              <a:t>Value</a:t>
+            </a:r>
+          </a:p>
+          <a:p>
+            <a:pPr lvl="1"/>
+            <a:r>
+              <a:rPr lang="en-US" dirty="0"/>
+              <a:t>Space</a:t>
+            </a:r>
+          </a:p>
+          <a:p>
+            <a:pPr lvl="1"/>
+            <a:r>
+              <a:rPr lang="en-US" dirty="0"/>
+              <a:t>Texture</a:t>
+            </a:r>
+          </a:p>
+        </p:txBody>
+      </p:sp>
+      <p:sp>
+        <p:nvSpPr>
+          <p:cNvPr id="10" name="Content Placeholder 9">
+            <a:extLst>
+              <a:ext uri="{FF2B5EF4-FFF2-40B4-BE49-F238E27FC236}">
+                <a16:creationId xmlns:a16="http://schemas.microsoft.com/office/drawing/2014/main" id="{24A51F13-B4BB-48F4-B5D2-B0E12A761518}"/>
+              </a:ext>
+            </a:extLst>
+          </p:cNvPr>
+          <p:cNvSpPr>
+            <a:spLocks noGrp="1"/>
+          </p:cNvSpPr>
+          <p:nvPr>
+            <p:ph sz="half" idx="2"/>
+          </p:nvPr>
+        </p:nvSpPr>
+        <p:spPr/>
+        <p:txBody>
+          <a:bodyPr>
+            <a:normAutofit fontScale="92500" lnSpcReduction="20000"/>
+          </a:bodyPr>
+          <a:lstStyle/>
+          <a:p>
+            <a:r>
+              <a:rPr lang="en-US" dirty="0"/>
+              <a:t>Principles</a:t>
+            </a:r>
+          </a:p>
+          <a:p>
+            <a:pPr lvl="1"/>
+            <a:r>
+              <a:rPr lang="en-US" dirty="0"/>
+              <a:t>Pattern</a:t>
+            </a:r>
+          </a:p>
+          <a:p>
+            <a:pPr lvl="1"/>
+            <a:r>
+              <a:rPr lang="en-US" dirty="0"/>
+              <a:t>Balance</a:t>
+            </a:r>
+          </a:p>
+          <a:p>
+            <a:pPr lvl="1"/>
+            <a:r>
+              <a:rPr lang="en-US" dirty="0"/>
+              <a:t>Rules of Thirds</a:t>
+            </a:r>
+          </a:p>
+          <a:p>
+            <a:pPr lvl="1"/>
+            <a:r>
+              <a:rPr lang="en-US" dirty="0"/>
+              <a:t>Unity and Variety</a:t>
+            </a:r>
+          </a:p>
+          <a:p>
+            <a:pPr lvl="1"/>
+            <a:r>
+              <a:rPr lang="en-US" dirty="0"/>
+              <a:t>Movement and Rhythm</a:t>
+            </a:r>
+          </a:p>
+          <a:p>
+            <a:pPr lvl="1"/>
+            <a:r>
+              <a:rPr lang="en-US" dirty="0"/>
+              <a:t>Emphasis</a:t>
+            </a:r>
+          </a:p>
+          <a:p>
+            <a:pPr lvl="1"/>
+            <a:r>
+              <a:rPr lang="en-US" dirty="0"/>
+              <a:t>Proportion</a:t>
+            </a:r>
+          </a:p>
+        </p:txBody>
+      </p:sp>
+      <p:sp>
+        <p:nvSpPr>
+          <p:cNvPr id="5" name="Footer Placeholder 4">
+            <a:extLst>
+              <a:ext uri="{FF2B5EF4-FFF2-40B4-BE49-F238E27FC236}">
+                <a16:creationId xmlns:a16="http://schemas.microsoft.com/office/drawing/2014/main" id="{66835032-334D-482B-9501-CD1752D597B2}"/>
+              </a:ext>
+            </a:extLst>
+          </p:cNvPr>
+          <p:cNvSpPr>
+            <a:spLocks noGrp="1"/>
+          </p:cNvSpPr>
+          <p:nvPr>
+            <p:ph type="ftr" sz="quarter" idx="11"/>
+          </p:nvPr>
+        </p:nvSpPr>
+        <p:spPr/>
+        <p:txBody>
+          <a:bodyPr/>
+          <a:lstStyle/>
+          <a:p>
+            <a:r>
+              <a:rPr lang="en-US"/>
+              <a:t>Add a footer</a:t>
+            </a:r>
+            <a:endParaRPr lang="en-US" dirty="0"/>
+          </a:p>
+        </p:txBody>
+      </p:sp>
+    </p:spTree>
+    <p:extLst>
+      <p:ext uri="{BB962C8B-B14F-4D97-AF65-F5344CB8AC3E}">
+        <p14:creationId xmlns:p14="http://schemas.microsoft.com/office/powerpoint/2010/main" val="1008959849"/>
+      </p:ext>
+    </p:extLst>
+  </p:cSld>
+  <p:clrMapOvr>
+    <a:masterClrMapping/>
+  </p:clrMapOvr>
+  <mc:AlternateContent xmlns:mc="http://schemas.openxmlformats.org/markup-compatibility/2006" xmlns:p14="http://schemas.microsoft.com/office/powerpoint/2010/main">
+    <mc:Choice Requires="p14">
+      <p:transition spd="med" p14:dur="700">
+        <p:fade/>
+      </p:transition>
+    </mc:Choice>
+    <mc:Fallback xmlns="">
+      <p:transition spd="med">
+        <p:fade/>
+      </p:transition>
+    </mc:Fallback>
+  </mc:AlternateContent>
+</p:sld>
+</file>
+
+<file path=ppt/slides/slide14.xml><?xml version="1.0" encoding="utf-8"?>
+<p:sld xmlns:a="http://schemas.openxmlformats.org/drawingml/2006/main" xmlns:r="http://schemas.openxmlformats.org/officeDocument/2006/relationships" xmlns:p="http://schemas.openxmlformats.org/presentationml/2006/main">
+  <p:cSld>
+    <p:spTree>
+      <p:nvGrpSpPr>
+        <p:cNvPr id="1" name=""/>
+        <p:cNvGrpSpPr/>
+        <p:nvPr/>
+      </p:nvGrpSpPr>
+      <p:grpSpPr>
+        <a:xfrm>
+          <a:off x="0" y="0"/>
+          <a:ext cx="0" cy="0"/>
+          <a:chOff x="0" y="0"/>
+          <a:chExt cx="0" cy="0"/>
+        </a:xfrm>
+      </p:grpSpPr>
+      <p:sp>
+        <p:nvSpPr>
+          <p:cNvPr id="8" name="Title 7">
+            <a:extLst>
+              <a:ext uri="{FF2B5EF4-FFF2-40B4-BE49-F238E27FC236}">
+                <a16:creationId xmlns:a16="http://schemas.microsoft.com/office/drawing/2014/main" id="{BEC3FCFA-AD85-457E-9F1C-C0A01F9DEE1B}"/>
+              </a:ext>
+            </a:extLst>
+          </p:cNvPr>
+          <p:cNvSpPr>
+            <a:spLocks noGrp="1"/>
+          </p:cNvSpPr>
+          <p:nvPr>
+            <p:ph type="title"/>
+          </p:nvPr>
+        </p:nvSpPr>
+        <p:spPr/>
+        <p:txBody>
+          <a:bodyPr/>
+          <a:lstStyle/>
+          <a:p>
+            <a:r>
+              <a:rPr lang="en-US" dirty="0"/>
+              <a:t>Elements</a:t>
+            </a:r>
+          </a:p>
+        </p:txBody>
+      </p:sp>
+      <p:sp>
+        <p:nvSpPr>
+          <p:cNvPr id="9" name="Content Placeholder 8">
+            <a:extLst>
+              <a:ext uri="{FF2B5EF4-FFF2-40B4-BE49-F238E27FC236}">
+                <a16:creationId xmlns:a16="http://schemas.microsoft.com/office/drawing/2014/main" id="{458E9CEA-1179-4B8D-8180-C6E3F07AEFE4}"/>
+              </a:ext>
+            </a:extLst>
+          </p:cNvPr>
+          <p:cNvSpPr>
+            <a:spLocks noGrp="1"/>
+          </p:cNvSpPr>
+          <p:nvPr>
+            <p:ph idx="1"/>
+          </p:nvPr>
+        </p:nvSpPr>
+        <p:spPr/>
+        <p:txBody>
+          <a:bodyPr>
+            <a:normAutofit/>
+          </a:bodyPr>
+          <a:lstStyle/>
+          <a:p>
+            <a:r>
+              <a:rPr lang="en-US" dirty="0"/>
+              <a:t>Elements</a:t>
+            </a:r>
+          </a:p>
+          <a:p>
+            <a:pPr lvl="1"/>
+            <a:r>
+              <a:rPr lang="en-US" b="1" dirty="0"/>
+              <a:t>Line</a:t>
+            </a:r>
+          </a:p>
+          <a:p>
+            <a:pPr lvl="1"/>
+            <a:r>
+              <a:rPr lang="en-US" b="1" dirty="0"/>
+              <a:t>Shape and Form</a:t>
+            </a:r>
+          </a:p>
+          <a:p>
+            <a:pPr lvl="1"/>
+            <a:r>
+              <a:rPr lang="en-US" b="1" dirty="0"/>
+              <a:t>Color</a:t>
+            </a:r>
+          </a:p>
+          <a:p>
+            <a:pPr lvl="1"/>
+            <a:r>
+              <a:rPr lang="en-US" b="1" dirty="0"/>
+              <a:t>Value</a:t>
+            </a:r>
+          </a:p>
+          <a:p>
+            <a:pPr lvl="1"/>
+            <a:r>
+              <a:rPr lang="en-US" b="1" dirty="0"/>
+              <a:t>Space</a:t>
+            </a:r>
+          </a:p>
+          <a:p>
+            <a:pPr lvl="1"/>
+            <a:r>
+              <a:rPr lang="en-US" b="1" dirty="0"/>
+              <a:t>Texture</a:t>
+            </a:r>
+          </a:p>
+        </p:txBody>
+      </p:sp>
+      <p:sp>
+        <p:nvSpPr>
+          <p:cNvPr id="5" name="Footer Placeholder 4">
+            <a:extLst>
+              <a:ext uri="{FF2B5EF4-FFF2-40B4-BE49-F238E27FC236}">
+                <a16:creationId xmlns:a16="http://schemas.microsoft.com/office/drawing/2014/main" id="{66835032-334D-482B-9501-CD1752D597B2}"/>
+              </a:ext>
+            </a:extLst>
+          </p:cNvPr>
+          <p:cNvSpPr>
+            <a:spLocks noGrp="1"/>
+          </p:cNvSpPr>
+          <p:nvPr>
+            <p:ph type="ftr" sz="quarter" idx="11"/>
+          </p:nvPr>
+        </p:nvSpPr>
+        <p:spPr/>
+        <p:txBody>
+          <a:bodyPr/>
+          <a:lstStyle/>
+          <a:p>
+            <a:r>
+              <a:rPr lang="en-US"/>
+              <a:t>Add a footer</a:t>
+            </a:r>
+            <a:endParaRPr lang="en-US" dirty="0"/>
+          </a:p>
+        </p:txBody>
+      </p:sp>
+    </p:spTree>
+    <p:extLst>
+      <p:ext uri="{BB962C8B-B14F-4D97-AF65-F5344CB8AC3E}">
+        <p14:creationId xmlns:p14="http://schemas.microsoft.com/office/powerpoint/2010/main" val="4269848928"/>
       </p:ext>
     </p:extLst>
   </p:cSld>
